--- a/image_similarities/instructions/Instructions.pptx
+++ b/image_similarities/instructions/Instructions.pptx
@@ -153,18 +153,18 @@
   <pc:docChgLst>
     <pc:chgData name="Micha Engeser" userId="a533b431-da3e-471f-8983-fd723c6850d4" providerId="ADAL" clId="{7692739D-31C8-4023-A58F-6098F62F4DAF}"/>
     <pc:docChg chg="undo custSel addSld delSld modSld sldOrd delSection modSection">
-      <pc:chgData name="Micha Engeser" userId="a533b431-da3e-471f-8983-fd723c6850d4" providerId="ADAL" clId="{7692739D-31C8-4023-A58F-6098F62F4DAF}" dt="2024-03-02T16:19:30.898" v="1294" actId="1035"/>
+      <pc:chgData name="Micha Engeser" userId="a533b431-da3e-471f-8983-fd723c6850d4" providerId="ADAL" clId="{7692739D-31C8-4023-A58F-6098F62F4DAF}" dt="2024-03-05T14:09:55.249" v="1455" actId="6549"/>
       <pc:docMkLst>
         <pc:docMk/>
       </pc:docMkLst>
       <pc:sldChg chg="modSp mod ord setBg">
-        <pc:chgData name="Micha Engeser" userId="a533b431-da3e-471f-8983-fd723c6850d4" providerId="ADAL" clId="{7692739D-31C8-4023-A58F-6098F62F4DAF}" dt="2024-03-02T16:17:48.587" v="1259"/>
+        <pc:chgData name="Micha Engeser" userId="a533b431-da3e-471f-8983-fd723c6850d4" providerId="ADAL" clId="{7692739D-31C8-4023-A58F-6098F62F4DAF}" dt="2024-03-05T13:16:31.303" v="1445" actId="20577"/>
         <pc:sldMkLst>
           <pc:docMk/>
           <pc:sldMk cId="3993129042" sldId="256"/>
         </pc:sldMkLst>
         <pc:spChg chg="mod">
-          <ac:chgData name="Micha Engeser" userId="a533b431-da3e-471f-8983-fd723c6850d4" providerId="ADAL" clId="{7692739D-31C8-4023-A58F-6098F62F4DAF}" dt="2024-03-01T10:47:27.176" v="239" actId="20577"/>
+          <ac:chgData name="Micha Engeser" userId="a533b431-da3e-471f-8983-fd723c6850d4" providerId="ADAL" clId="{7692739D-31C8-4023-A58F-6098F62F4DAF}" dt="2024-03-05T13:16:31.303" v="1445" actId="20577"/>
           <ac:spMkLst>
             <pc:docMk/>
             <pc:sldMk cId="3993129042" sldId="256"/>
@@ -267,13 +267,13 @@
         </pc:sldMkLst>
       </pc:sldChg>
       <pc:sldChg chg="addSp delSp modSp add mod ord setBg">
-        <pc:chgData name="Micha Engeser" userId="a533b431-da3e-471f-8983-fd723c6850d4" providerId="ADAL" clId="{7692739D-31C8-4023-A58F-6098F62F4DAF}" dt="2024-03-02T16:19:13.309" v="1279" actId="1035"/>
+        <pc:chgData name="Micha Engeser" userId="a533b431-da3e-471f-8983-fd723c6850d4" providerId="ADAL" clId="{7692739D-31C8-4023-A58F-6098F62F4DAF}" dt="2024-03-05T14:09:55.249" v="1455" actId="6549"/>
         <pc:sldMkLst>
           <pc:docMk/>
           <pc:sldMk cId="489475237" sldId="292"/>
         </pc:sldMkLst>
         <pc:spChg chg="mod">
-          <ac:chgData name="Micha Engeser" userId="a533b431-da3e-471f-8983-fd723c6850d4" providerId="ADAL" clId="{7692739D-31C8-4023-A58F-6098F62F4DAF}" dt="2024-03-02T16:19:13.309" v="1279" actId="1035"/>
+          <ac:chgData name="Micha Engeser" userId="a533b431-da3e-471f-8983-fd723c6850d4" providerId="ADAL" clId="{7692739D-31C8-4023-A58F-6098F62F4DAF}" dt="2024-03-05T14:09:55.249" v="1455" actId="6549"/>
           <ac:spMkLst>
             <pc:docMk/>
             <pc:sldMk cId="489475237" sldId="292"/>
@@ -359,13 +359,13 @@
         </pc:picChg>
       </pc:sldChg>
       <pc:sldChg chg="modSp add mod ord setBg">
-        <pc:chgData name="Micha Engeser" userId="a533b431-da3e-471f-8983-fd723c6850d4" providerId="ADAL" clId="{7692739D-31C8-4023-A58F-6098F62F4DAF}" dt="2024-03-02T16:17:53.640" v="1260"/>
+        <pc:chgData name="Micha Engeser" userId="a533b431-da3e-471f-8983-fd723c6850d4" providerId="ADAL" clId="{7692739D-31C8-4023-A58F-6098F62F4DAF}" dt="2024-03-05T13:16:53.989" v="1446"/>
         <pc:sldMkLst>
           <pc:docMk/>
           <pc:sldMk cId="1199269498" sldId="295"/>
         </pc:sldMkLst>
         <pc:spChg chg="mod">
-          <ac:chgData name="Micha Engeser" userId="a533b431-da3e-471f-8983-fd723c6850d4" providerId="ADAL" clId="{7692739D-31C8-4023-A58F-6098F62F4DAF}" dt="2024-03-01T11:12:44.646" v="1215" actId="20577"/>
+          <ac:chgData name="Micha Engeser" userId="a533b431-da3e-471f-8983-fd723c6850d4" providerId="ADAL" clId="{7692739D-31C8-4023-A58F-6098F62F4DAF}" dt="2024-03-05T13:16:53.989" v="1446"/>
           <ac:spMkLst>
             <pc:docMk/>
             <pc:sldMk cId="1199269498" sldId="295"/>
@@ -1853,7 +1853,7 @@
           <a:p>
             <a:fld id="{9D7C6ACB-8DF6-1449-BE97-CA8D947F79D3}" type="datetimeFigureOut">
               <a:rPr lang="en-US" smtClean="0"/>
-              <a:t>3/2/2024</a:t>
+              <a:t>3/5/2024</a:t>
             </a:fld>
             <a:endParaRPr lang="en-US"/>
           </a:p>
@@ -2021,7 +2021,7 @@
           <a:p>
             <a:fld id="{9D7C6ACB-8DF6-1449-BE97-CA8D947F79D3}" type="datetimeFigureOut">
               <a:rPr lang="en-US" smtClean="0"/>
-              <a:t>3/2/2024</a:t>
+              <a:t>3/5/2024</a:t>
             </a:fld>
             <a:endParaRPr lang="en-US"/>
           </a:p>
@@ -2199,7 +2199,7 @@
           <a:p>
             <a:fld id="{9D7C6ACB-8DF6-1449-BE97-CA8D947F79D3}" type="datetimeFigureOut">
               <a:rPr lang="en-US" smtClean="0"/>
-              <a:t>3/2/2024</a:t>
+              <a:t>3/5/2024</a:t>
             </a:fld>
             <a:endParaRPr lang="en-US"/>
           </a:p>
@@ -2367,7 +2367,7 @@
           <a:p>
             <a:fld id="{9D7C6ACB-8DF6-1449-BE97-CA8D947F79D3}" type="datetimeFigureOut">
               <a:rPr lang="en-US" smtClean="0"/>
-              <a:t>3/2/2024</a:t>
+              <a:t>3/5/2024</a:t>
             </a:fld>
             <a:endParaRPr lang="en-US"/>
           </a:p>
@@ -2612,7 +2612,7 @@
           <a:p>
             <a:fld id="{9D7C6ACB-8DF6-1449-BE97-CA8D947F79D3}" type="datetimeFigureOut">
               <a:rPr lang="en-US" smtClean="0"/>
-              <a:t>3/2/2024</a:t>
+              <a:t>3/5/2024</a:t>
             </a:fld>
             <a:endParaRPr lang="en-US"/>
           </a:p>
@@ -2897,7 +2897,7 @@
           <a:p>
             <a:fld id="{9D7C6ACB-8DF6-1449-BE97-CA8D947F79D3}" type="datetimeFigureOut">
               <a:rPr lang="en-US" smtClean="0"/>
-              <a:t>3/2/2024</a:t>
+              <a:t>3/5/2024</a:t>
             </a:fld>
             <a:endParaRPr lang="en-US"/>
           </a:p>
@@ -3316,7 +3316,7 @@
           <a:p>
             <a:fld id="{9D7C6ACB-8DF6-1449-BE97-CA8D947F79D3}" type="datetimeFigureOut">
               <a:rPr lang="en-US" smtClean="0"/>
-              <a:t>3/2/2024</a:t>
+              <a:t>3/5/2024</a:t>
             </a:fld>
             <a:endParaRPr lang="en-US"/>
           </a:p>
@@ -3433,7 +3433,7 @@
           <a:p>
             <a:fld id="{9D7C6ACB-8DF6-1449-BE97-CA8D947F79D3}" type="datetimeFigureOut">
               <a:rPr lang="en-US" smtClean="0"/>
-              <a:t>3/2/2024</a:t>
+              <a:t>3/5/2024</a:t>
             </a:fld>
             <a:endParaRPr lang="en-US"/>
           </a:p>
@@ -3528,7 +3528,7 @@
           <a:p>
             <a:fld id="{9D7C6ACB-8DF6-1449-BE97-CA8D947F79D3}" type="datetimeFigureOut">
               <a:rPr lang="en-US" smtClean="0"/>
-              <a:t>3/2/2024</a:t>
+              <a:t>3/5/2024</a:t>
             </a:fld>
             <a:endParaRPr lang="en-US"/>
           </a:p>
@@ -3803,7 +3803,7 @@
           <a:p>
             <a:fld id="{9D7C6ACB-8DF6-1449-BE97-CA8D947F79D3}" type="datetimeFigureOut">
               <a:rPr lang="en-US" smtClean="0"/>
-              <a:t>3/2/2024</a:t>
+              <a:t>3/5/2024</a:t>
             </a:fld>
             <a:endParaRPr lang="en-US"/>
           </a:p>
@@ -4055,7 +4055,7 @@
           <a:p>
             <a:fld id="{9D7C6ACB-8DF6-1449-BE97-CA8D947F79D3}" type="datetimeFigureOut">
               <a:rPr lang="en-US" smtClean="0"/>
-              <a:t>3/2/2024</a:t>
+              <a:t>3/5/2024</a:t>
             </a:fld>
             <a:endParaRPr lang="en-US"/>
           </a:p>
@@ -4269,7 +4269,7 @@
           <a:p>
             <a:fld id="{9D7C6ACB-8DF6-1449-BE97-CA8D947F79D3}" type="datetimeFigureOut">
               <a:rPr lang="en-US" smtClean="0"/>
-              <a:t>3/2/2024</a:t>
+              <a:t>3/5/2024</a:t>
             </a:fld>
             <a:endParaRPr lang="en-US"/>
           </a:p>
@@ -4696,7 +4696,7 @@
           <a:p>
             <a:r>
               <a:rPr lang="en-US" sz="2400" dirty="0"/>
-              <a:t>We will present you with pairs of line drawings of </a:t>
+              <a:t>Each trial we will present you with pairs of line drawings depicting </a:t>
             </a:r>
             <a:r>
               <a:rPr lang="en-US" sz="2400" b="1" dirty="0"/>
@@ -4944,7 +4944,7 @@
           <a:p>
             <a:r>
               <a:rPr lang="en-US" sz="2400" dirty="0"/>
-              <a:t>We will present you with pairs of line drawings of </a:t>
+              <a:t>Each trial we will present you with pairs of line drawings depicting </a:t>
             </a:r>
             <a:r>
               <a:rPr lang="en-US" sz="2400" b="1" dirty="0"/>
@@ -5157,7 +5157,7 @@
         <p:spPr>
           <a:xfrm>
             <a:off x="2139890" y="575342"/>
-            <a:ext cx="7912217" cy="6740307"/>
+            <a:ext cx="7912217" cy="7109639"/>
           </a:xfrm>
           <a:prstGeom prst="rect">
             <a:avLst/>
@@ -5180,7 +5180,64 @@
             </a:r>
             <a:r>
               <a:rPr lang="en-US" sz="2400" dirty="0"/>
-              <a:t> of the two images, please judge how similar the rooms are that the drawer indented to depict.</a:t>
+              <a:t> of the two images, please judge how </a:t>
+            </a:r>
+            <a:r>
+              <a:rPr lang="en-US" sz="2400" dirty="0">
+                <a:solidFill>
+                  <a:schemeClr val="tx1">
+                    <a:lumMod val="85000"/>
+                    <a:lumOff val="15000"/>
+                  </a:schemeClr>
+                </a:solidFill>
+              </a:rPr>
+              <a:t>similar the rooms are that the drawers indented to </a:t>
+            </a:r>
+            <a:r>
+              <a:rPr lang="en-US" sz="2400">
+                <a:solidFill>
+                  <a:schemeClr val="tx1">
+                    <a:lumMod val="85000"/>
+                    <a:lumOff val="15000"/>
+                  </a:schemeClr>
+                </a:solidFill>
+              </a:rPr>
+              <a:t>depictIn</a:t>
+            </a:r>
+            <a:r>
+              <a:rPr lang="en-US" sz="2400" dirty="0">
+                <a:solidFill>
+                  <a:schemeClr val="tx1">
+                    <a:lumMod val="85000"/>
+                    <a:lumOff val="15000"/>
+                  </a:schemeClr>
+                </a:solidFill>
+              </a:rPr>
+              <a:t> </a:t>
+            </a:r>
+            <a:r>
+              <a:rPr lang="en-US" sz="2400" b="0" i="0" dirty="0">
+                <a:solidFill>
+                  <a:schemeClr val="tx1">
+                    <a:lumMod val="85000"/>
+                    <a:lumOff val="15000"/>
+                  </a:schemeClr>
+                </a:solidFill>
+                <a:effectLst/>
+                <a:latin typeface="Söhne"/>
+              </a:rPr>
+              <a:t> in terms of objects and their configuration</a:t>
+            </a:r>
+            <a:r>
+              <a:rPr lang="en-US" sz="2400" dirty="0">
+                <a:solidFill>
+                  <a:schemeClr val="tx1">
+                    <a:lumMod val="85000"/>
+                    <a:lumOff val="15000"/>
+                  </a:schemeClr>
+                </a:solidFill>
+              </a:rPr>
+              <a:t>. </a:t>
             </a:r>
           </a:p>
           <a:p>

--- a/image_similarities/instructions/Instructions.pptx
+++ b/image_similarities/instructions/Instructions.pptx
@@ -143,7 +143,7 @@
 <file path=ppt/revisionInfo.xml><?xml version="1.0" encoding="utf-8"?>
 <p1510:revInfo xmlns:a="http://schemas.openxmlformats.org/drawingml/2006/main" xmlns:r="http://schemas.openxmlformats.org/officeDocument/2006/relationships" xmlns:p1510="http://schemas.microsoft.com/office/powerpoint/2015/10/main">
   <p1510:revLst>
-    <p1510:client id="{7692739D-31C8-4023-A58F-6098F62F4DAF}" v="21" dt="2024-03-02T16:18:37.726"/>
+    <p1510:client id="{7692739D-31C8-4023-A58F-6098F62F4DAF}" v="22" dt="2024-03-05T14:46:54.170"/>
   </p1510:revLst>
 </p1510:revInfo>
 </file>
@@ -153,7 +153,7 @@
   <pc:docChgLst>
     <pc:chgData name="Micha Engeser" userId="a533b431-da3e-471f-8983-fd723c6850d4" providerId="ADAL" clId="{7692739D-31C8-4023-A58F-6098F62F4DAF}"/>
     <pc:docChg chg="undo custSel addSld delSld modSld sldOrd delSection modSection">
-      <pc:chgData name="Micha Engeser" userId="a533b431-da3e-471f-8983-fd723c6850d4" providerId="ADAL" clId="{7692739D-31C8-4023-A58F-6098F62F4DAF}" dt="2024-03-05T14:09:55.249" v="1455" actId="6549"/>
+      <pc:chgData name="Micha Engeser" userId="a533b431-da3e-471f-8983-fd723c6850d4" providerId="ADAL" clId="{7692739D-31C8-4023-A58F-6098F62F4DAF}" dt="2024-03-05T14:47:46.963" v="1593" actId="1036"/>
       <pc:docMkLst>
         <pc:docMk/>
       </pc:docMkLst>
@@ -267,13 +267,13 @@
         </pc:sldMkLst>
       </pc:sldChg>
       <pc:sldChg chg="addSp delSp modSp add mod ord setBg">
-        <pc:chgData name="Micha Engeser" userId="a533b431-da3e-471f-8983-fd723c6850d4" providerId="ADAL" clId="{7692739D-31C8-4023-A58F-6098F62F4DAF}" dt="2024-03-05T14:09:55.249" v="1455" actId="6549"/>
+        <pc:chgData name="Micha Engeser" userId="a533b431-da3e-471f-8983-fd723c6850d4" providerId="ADAL" clId="{7692739D-31C8-4023-A58F-6098F62F4DAF}" dt="2024-03-05T14:47:46.963" v="1593" actId="1036"/>
         <pc:sldMkLst>
           <pc:docMk/>
           <pc:sldMk cId="489475237" sldId="292"/>
         </pc:sldMkLst>
         <pc:spChg chg="mod">
-          <ac:chgData name="Micha Engeser" userId="a533b431-da3e-471f-8983-fd723c6850d4" providerId="ADAL" clId="{7692739D-31C8-4023-A58F-6098F62F4DAF}" dt="2024-03-05T14:09:55.249" v="1455" actId="6549"/>
+          <ac:chgData name="Micha Engeser" userId="a533b431-da3e-471f-8983-fd723c6850d4" providerId="ADAL" clId="{7692739D-31C8-4023-A58F-6098F62F4DAF}" dt="2024-03-05T14:46:14.746" v="1526" actId="20577"/>
           <ac:spMkLst>
             <pc:docMk/>
             <pc:sldMk cId="489475237" sldId="292"/>
@@ -286,6 +286,14 @@
             <pc:docMk/>
             <pc:sldMk cId="489475237" sldId="292"/>
             <ac:picMk id="2" creationId="{0F414025-E2A2-7677-FFEB-AB26D5D39DE8}"/>
+          </ac:picMkLst>
+        </pc:picChg>
+        <pc:picChg chg="add del mod">
+          <ac:chgData name="Micha Engeser" userId="a533b431-da3e-471f-8983-fd723c6850d4" providerId="ADAL" clId="{7692739D-31C8-4023-A58F-6098F62F4DAF}" dt="2024-03-05T14:47:06.518" v="1580" actId="478"/>
+          <ac:picMkLst>
+            <pc:docMk/>
+            <pc:sldMk cId="489475237" sldId="292"/>
+            <ac:picMk id="2" creationId="{ACAF26AA-A82D-7CDA-AD93-E363591A768D}"/>
           </ac:picMkLst>
         </pc:picChg>
         <pc:picChg chg="del">
@@ -305,7 +313,7 @@
           </ac:picMkLst>
         </pc:picChg>
         <pc:picChg chg="add mod modCrop">
-          <ac:chgData name="Micha Engeser" userId="a533b431-da3e-471f-8983-fd723c6850d4" providerId="ADAL" clId="{7692739D-31C8-4023-A58F-6098F62F4DAF}" dt="2024-03-02T15:24:41.006" v="1258" actId="1076"/>
+          <ac:chgData name="Micha Engeser" userId="a533b431-da3e-471f-8983-fd723c6850d4" providerId="ADAL" clId="{7692739D-31C8-4023-A58F-6098F62F4DAF}" dt="2024-03-05T14:47:46.963" v="1593" actId="1036"/>
           <ac:picMkLst>
             <pc:docMk/>
             <pc:sldMk cId="489475237" sldId="292"/>
@@ -336,13 +344,13 @@
         </pc:sldMkLst>
       </pc:sldChg>
       <pc:sldChg chg="modSp add mod ord setBg">
-        <pc:chgData name="Micha Engeser" userId="a533b431-da3e-471f-8983-fd723c6850d4" providerId="ADAL" clId="{7692739D-31C8-4023-A58F-6098F62F4DAF}" dt="2024-03-02T15:16:26.180" v="1255"/>
+        <pc:chgData name="Micha Engeser" userId="a533b431-da3e-471f-8983-fd723c6850d4" providerId="ADAL" clId="{7692739D-31C8-4023-A58F-6098F62F4DAF}" dt="2024-03-05T14:47:44.359" v="1589" actId="1036"/>
         <pc:sldMkLst>
           <pc:docMk/>
           <pc:sldMk cId="3875687140" sldId="294"/>
         </pc:sldMkLst>
         <pc:spChg chg="mod">
-          <ac:chgData name="Micha Engeser" userId="a533b431-da3e-471f-8983-fd723c6850d4" providerId="ADAL" clId="{7692739D-31C8-4023-A58F-6098F62F4DAF}" dt="2024-03-01T11:06:23.314" v="1027" actId="20577"/>
+          <ac:chgData name="Micha Engeser" userId="a533b431-da3e-471f-8983-fd723c6850d4" providerId="ADAL" clId="{7692739D-31C8-4023-A58F-6098F62F4DAF}" dt="2024-03-05T14:46:22.143" v="1528" actId="20577"/>
           <ac:spMkLst>
             <pc:docMk/>
             <pc:sldMk cId="3875687140" sldId="294"/>
@@ -350,7 +358,7 @@
           </ac:spMkLst>
         </pc:spChg>
         <pc:picChg chg="mod modCrop">
-          <ac:chgData name="Micha Engeser" userId="a533b431-da3e-471f-8983-fd723c6850d4" providerId="ADAL" clId="{7692739D-31C8-4023-A58F-6098F62F4DAF}" dt="2024-03-02T15:15:14.954" v="1243" actId="1035"/>
+          <ac:chgData name="Micha Engeser" userId="a533b431-da3e-471f-8983-fd723c6850d4" providerId="ADAL" clId="{7692739D-31C8-4023-A58F-6098F62F4DAF}" dt="2024-03-05T14:47:44.359" v="1589" actId="1036"/>
           <ac:picMkLst>
             <pc:docMk/>
             <pc:sldMk cId="3875687140" sldId="294"/>
@@ -5157,7 +5165,7 @@
         <p:spPr>
           <a:xfrm>
             <a:off x="2139890" y="575342"/>
-            <a:ext cx="7912217" cy="7109639"/>
+            <a:ext cx="7912217" cy="6740307"/>
           </a:xfrm>
           <a:prstGeom prst="rect">
             <a:avLst/>
@@ -5191,29 +5199,7 @@
                   </a:schemeClr>
                 </a:solidFill>
               </a:rPr>
-              <a:t>similar the rooms are that the drawers indented to </a:t>
-            </a:r>
-            <a:r>
-              <a:rPr lang="en-US" sz="2400">
-                <a:solidFill>
-                  <a:schemeClr val="tx1">
-                    <a:lumMod val="85000"/>
-                    <a:lumOff val="15000"/>
-                  </a:schemeClr>
-                </a:solidFill>
-              </a:rPr>
-              <a:t>depictIn</a:t>
-            </a:r>
-            <a:r>
-              <a:rPr lang="en-US" sz="2400" dirty="0">
-                <a:solidFill>
-                  <a:schemeClr val="tx1">
-                    <a:lumMod val="85000"/>
-                    <a:lumOff val="15000"/>
-                  </a:schemeClr>
-                </a:solidFill>
-              </a:rPr>
-              <a:t> </a:t>
+              <a:t>similar the rooms are that the drawers indented to depict. Focus on the drawn </a:t>
             </a:r>
             <a:r>
               <a:rPr lang="en-US" sz="2400" b="0" i="0" dirty="0">
@@ -5226,7 +5212,7 @@
                 <a:effectLst/>
                 <a:latin typeface="Söhne"/>
               </a:rPr>
-              <a:t> in terms of objects and their configuration</a:t>
+              <a:t>objects and their configuration</a:t>
             </a:r>
             <a:r>
               <a:rPr lang="en-US" sz="2400" dirty="0">
@@ -5246,7 +5232,7 @@
           <a:p>
             <a:r>
               <a:rPr lang="en-US" sz="2400" dirty="0"/>
-              <a:t>For this rating, try to ignore the drawing style and ability of drawer.</a:t>
+              <a:t>For this rating, try to ignore the drawing style and ability.</a:t>
             </a:r>
           </a:p>
           <a:p>
@@ -5263,7 +5249,7 @@
             </a:r>
             <a:r>
               <a:rPr lang="en-US" sz="2400" dirty="0"/>
-              <a:t>)</a:t>
+              <a:t>).</a:t>
             </a:r>
           </a:p>
           <a:p>
@@ -5325,13 +5311,13 @@
         </p:nvPicPr>
         <p:blipFill rotWithShape="1">
           <a:blip r:embed="rId2"/>
-          <a:srcRect t="45963" b="29821"/>
+          <a:srcRect t="48155" b="29822"/>
           <a:stretch/>
         </p:blipFill>
         <p:spPr>
           <a:xfrm>
-            <a:off x="2139890" y="3578156"/>
-            <a:ext cx="7912217" cy="1625108"/>
+            <a:off x="1866360" y="3732964"/>
+            <a:ext cx="8459275" cy="1580187"/>
           </a:xfrm>
           <a:prstGeom prst="rect">
             <a:avLst/>
@@ -5446,7 +5432,7 @@
             </a:r>
             <a:r>
               <a:rPr lang="en-US" sz="2400" dirty="0"/>
-              <a:t>)</a:t>
+              <a:t>).</a:t>
             </a:r>
           </a:p>
           <a:p>
@@ -5513,8 +5499,8 @@
         </p:blipFill>
         <p:spPr>
           <a:xfrm>
-            <a:off x="2249242" y="3707003"/>
-            <a:ext cx="7693512" cy="1580188"/>
+            <a:off x="2249242" y="3553289"/>
+            <a:ext cx="7693512" cy="1769415"/>
           </a:xfrm>
           <a:prstGeom prst="rect">
             <a:avLst/>

--- a/image_similarities/instructions/Instructions.pptx
+++ b/image_similarities/instructions/Instructions.pptx
@@ -143,7 +143,7 @@
 <file path=ppt/revisionInfo.xml><?xml version="1.0" encoding="utf-8"?>
 <p1510:revInfo xmlns:a="http://schemas.openxmlformats.org/drawingml/2006/main" xmlns:r="http://schemas.openxmlformats.org/officeDocument/2006/relationships" xmlns:p1510="http://schemas.microsoft.com/office/powerpoint/2015/10/main">
   <p1510:revLst>
-    <p1510:client id="{7692739D-31C8-4023-A58F-6098F62F4DAF}" v="22" dt="2024-03-05T14:46:54.170"/>
+    <p1510:client id="{7692739D-31C8-4023-A58F-6098F62F4DAF}" v="26" dt="2024-03-07T10:38:02.878"/>
   </p1510:revLst>
 </p1510:revInfo>
 </file>
@@ -153,7 +153,7 @@
   <pc:docChgLst>
     <pc:chgData name="Micha Engeser" userId="a533b431-da3e-471f-8983-fd723c6850d4" providerId="ADAL" clId="{7692739D-31C8-4023-A58F-6098F62F4DAF}"/>
     <pc:docChg chg="undo custSel addSld delSld modSld sldOrd delSection modSection">
-      <pc:chgData name="Micha Engeser" userId="a533b431-da3e-471f-8983-fd723c6850d4" providerId="ADAL" clId="{7692739D-31C8-4023-A58F-6098F62F4DAF}" dt="2024-03-05T14:47:46.963" v="1593" actId="1036"/>
+      <pc:chgData name="Micha Engeser" userId="a533b431-da3e-471f-8983-fd723c6850d4" providerId="ADAL" clId="{7692739D-31C8-4023-A58F-6098F62F4DAF}" dt="2024-03-07T10:39:02.246" v="1637" actId="1076"/>
       <pc:docMkLst>
         <pc:docMk/>
       </pc:docMkLst>
@@ -267,13 +267,13 @@
         </pc:sldMkLst>
       </pc:sldChg>
       <pc:sldChg chg="addSp delSp modSp add mod ord setBg">
-        <pc:chgData name="Micha Engeser" userId="a533b431-da3e-471f-8983-fd723c6850d4" providerId="ADAL" clId="{7692739D-31C8-4023-A58F-6098F62F4DAF}" dt="2024-03-05T14:47:46.963" v="1593" actId="1036"/>
+        <pc:chgData name="Micha Engeser" userId="a533b431-da3e-471f-8983-fd723c6850d4" providerId="ADAL" clId="{7692739D-31C8-4023-A58F-6098F62F4DAF}" dt="2024-03-07T10:39:02.246" v="1637" actId="1076"/>
         <pc:sldMkLst>
           <pc:docMk/>
           <pc:sldMk cId="489475237" sldId="292"/>
         </pc:sldMkLst>
         <pc:spChg chg="mod">
-          <ac:chgData name="Micha Engeser" userId="a533b431-da3e-471f-8983-fd723c6850d4" providerId="ADAL" clId="{7692739D-31C8-4023-A58F-6098F62F4DAF}" dt="2024-03-05T14:46:14.746" v="1526" actId="20577"/>
+          <ac:chgData name="Micha Engeser" userId="a533b431-da3e-471f-8983-fd723c6850d4" providerId="ADAL" clId="{7692739D-31C8-4023-A58F-6098F62F4DAF}" dt="2024-03-07T10:22:08.494" v="1595" actId="108"/>
           <ac:spMkLst>
             <pc:docMk/>
             <pc:sldMk cId="489475237" sldId="292"/>
@@ -286,6 +286,14 @@
             <pc:docMk/>
             <pc:sldMk cId="489475237" sldId="292"/>
             <ac:picMk id="2" creationId="{0F414025-E2A2-7677-FFEB-AB26D5D39DE8}"/>
+          </ac:picMkLst>
+        </pc:picChg>
+        <pc:picChg chg="add del mod">
+          <ac:chgData name="Micha Engeser" userId="a533b431-da3e-471f-8983-fd723c6850d4" providerId="ADAL" clId="{7692739D-31C8-4023-A58F-6098F62F4DAF}" dt="2024-03-07T10:38:04.677" v="1612" actId="478"/>
+          <ac:picMkLst>
+            <pc:docMk/>
+            <pc:sldMk cId="489475237" sldId="292"/>
+            <ac:picMk id="2" creationId="{A2C48F57-1FE9-F2A5-AF27-C556518B5E2C}"/>
           </ac:picMkLst>
         </pc:picChg>
         <pc:picChg chg="add del mod">
@@ -304,6 +312,14 @@
             <ac:picMk id="3" creationId="{C25D2BCC-28D7-6624-3089-CF746E8E04EF}"/>
           </ac:picMkLst>
         </pc:picChg>
+        <pc:picChg chg="add mod modCrop">
+          <ac:chgData name="Micha Engeser" userId="a533b431-da3e-471f-8983-fd723c6850d4" providerId="ADAL" clId="{7692739D-31C8-4023-A58F-6098F62F4DAF}" dt="2024-03-07T10:39:02.246" v="1637" actId="1076"/>
+          <ac:picMkLst>
+            <pc:docMk/>
+            <pc:sldMk cId="489475237" sldId="292"/>
+            <ac:picMk id="6" creationId="{4248EA25-CB97-2D54-DC75-E2359EFEE2AD}"/>
+          </ac:picMkLst>
+        </pc:picChg>
         <pc:picChg chg="add del mod">
           <ac:chgData name="Micha Engeser" userId="a533b431-da3e-471f-8983-fd723c6850d4" providerId="ADAL" clId="{7692739D-31C8-4023-A58F-6098F62F4DAF}" dt="2024-03-01T10:59:02.007" v="626" actId="478"/>
           <ac:picMkLst>
@@ -312,8 +328,8 @@
             <ac:picMk id="6" creationId="{60833584-E5BD-1C8E-1C89-FCEAF3D07B39}"/>
           </ac:picMkLst>
         </pc:picChg>
-        <pc:picChg chg="add mod modCrop">
-          <ac:chgData name="Micha Engeser" userId="a533b431-da3e-471f-8983-fd723c6850d4" providerId="ADAL" clId="{7692739D-31C8-4023-A58F-6098F62F4DAF}" dt="2024-03-05T14:47:46.963" v="1593" actId="1036"/>
+        <pc:picChg chg="add del mod modCrop">
+          <ac:chgData name="Micha Engeser" userId="a533b431-da3e-471f-8983-fd723c6850d4" providerId="ADAL" clId="{7692739D-31C8-4023-A58F-6098F62F4DAF}" dt="2024-03-07T10:38:56.724" v="1635" actId="478"/>
           <ac:picMkLst>
             <pc:docMk/>
             <pc:sldMk cId="489475237" sldId="292"/>
@@ -343,8 +359,8 @@
           <pc:sldMk cId="889985228" sldId="293"/>
         </pc:sldMkLst>
       </pc:sldChg>
-      <pc:sldChg chg="modSp add mod ord setBg">
-        <pc:chgData name="Micha Engeser" userId="a533b431-da3e-471f-8983-fd723c6850d4" providerId="ADAL" clId="{7692739D-31C8-4023-A58F-6098F62F4DAF}" dt="2024-03-05T14:47:44.359" v="1589" actId="1036"/>
+      <pc:sldChg chg="addSp delSp modSp add mod ord setBg">
+        <pc:chgData name="Micha Engeser" userId="a533b431-da3e-471f-8983-fd723c6850d4" providerId="ADAL" clId="{7692739D-31C8-4023-A58F-6098F62F4DAF}" dt="2024-03-07T10:37:59.876" v="1610" actId="21"/>
         <pc:sldMkLst>
           <pc:docMk/>
           <pc:sldMk cId="3875687140" sldId="294"/>
@@ -357,8 +373,32 @@
             <ac:spMk id="4" creationId="{CF90D11C-E124-23F9-F48D-5118D8B58456}"/>
           </ac:spMkLst>
         </pc:spChg>
-        <pc:picChg chg="mod modCrop">
-          <ac:chgData name="Micha Engeser" userId="a533b431-da3e-471f-8983-fd723c6850d4" providerId="ADAL" clId="{7692739D-31C8-4023-A58F-6098F62F4DAF}" dt="2024-03-05T14:47:44.359" v="1589" actId="1036"/>
+        <pc:picChg chg="add del mod modCrop">
+          <ac:chgData name="Micha Engeser" userId="a533b431-da3e-471f-8983-fd723c6850d4" providerId="ADAL" clId="{7692739D-31C8-4023-A58F-6098F62F4DAF}" dt="2024-03-07T10:36:56.904" v="1598" actId="21"/>
+          <ac:picMkLst>
+            <pc:docMk/>
+            <pc:sldMk cId="3875687140" sldId="294"/>
+            <ac:picMk id="3" creationId="{54E1D6A6-3DAC-E088-C1CB-AB8B1235B9CD}"/>
+          </ac:picMkLst>
+        </pc:picChg>
+        <pc:picChg chg="add mod modCrop">
+          <ac:chgData name="Micha Engeser" userId="a533b431-da3e-471f-8983-fd723c6850d4" providerId="ADAL" clId="{7692739D-31C8-4023-A58F-6098F62F4DAF}" dt="2024-03-07T10:37:54.599" v="1608" actId="1076"/>
+          <ac:picMkLst>
+            <pc:docMk/>
+            <pc:sldMk cId="3875687140" sldId="294"/>
+            <ac:picMk id="5" creationId="{54E1D6A6-3DAC-E088-C1CB-AB8B1235B9CD}"/>
+          </ac:picMkLst>
+        </pc:picChg>
+        <pc:picChg chg="add del mod">
+          <ac:chgData name="Micha Engeser" userId="a533b431-da3e-471f-8983-fd723c6850d4" providerId="ADAL" clId="{7692739D-31C8-4023-A58F-6098F62F4DAF}" dt="2024-03-07T10:37:59.876" v="1610" actId="21"/>
+          <ac:picMkLst>
+            <pc:docMk/>
+            <pc:sldMk cId="3875687140" sldId="294"/>
+            <ac:picMk id="6" creationId="{4248EA25-CB97-2D54-DC75-E2359EFEE2AD}"/>
+          </ac:picMkLst>
+        </pc:picChg>
+        <pc:picChg chg="del mod modCrop">
+          <ac:chgData name="Micha Engeser" userId="a533b431-da3e-471f-8983-fd723c6850d4" providerId="ADAL" clId="{7692739D-31C8-4023-A58F-6098F62F4DAF}" dt="2024-03-07T10:37:52.414" v="1607" actId="478"/>
           <ac:picMkLst>
             <pc:docMk/>
             <pc:sldMk cId="3875687140" sldId="294"/>
@@ -1861,7 +1901,7 @@
           <a:p>
             <a:fld id="{9D7C6ACB-8DF6-1449-BE97-CA8D947F79D3}" type="datetimeFigureOut">
               <a:rPr lang="en-US" smtClean="0"/>
-              <a:t>3/5/2024</a:t>
+              <a:t>3/7/2024</a:t>
             </a:fld>
             <a:endParaRPr lang="en-US"/>
           </a:p>
@@ -2029,7 +2069,7 @@
           <a:p>
             <a:fld id="{9D7C6ACB-8DF6-1449-BE97-CA8D947F79D3}" type="datetimeFigureOut">
               <a:rPr lang="en-US" smtClean="0"/>
-              <a:t>3/5/2024</a:t>
+              <a:t>3/7/2024</a:t>
             </a:fld>
             <a:endParaRPr lang="en-US"/>
           </a:p>
@@ -2207,7 +2247,7 @@
           <a:p>
             <a:fld id="{9D7C6ACB-8DF6-1449-BE97-CA8D947F79D3}" type="datetimeFigureOut">
               <a:rPr lang="en-US" smtClean="0"/>
-              <a:t>3/5/2024</a:t>
+              <a:t>3/7/2024</a:t>
             </a:fld>
             <a:endParaRPr lang="en-US"/>
           </a:p>
@@ -2375,7 +2415,7 @@
           <a:p>
             <a:fld id="{9D7C6ACB-8DF6-1449-BE97-CA8D947F79D3}" type="datetimeFigureOut">
               <a:rPr lang="en-US" smtClean="0"/>
-              <a:t>3/5/2024</a:t>
+              <a:t>3/7/2024</a:t>
             </a:fld>
             <a:endParaRPr lang="en-US"/>
           </a:p>
@@ -2620,7 +2660,7 @@
           <a:p>
             <a:fld id="{9D7C6ACB-8DF6-1449-BE97-CA8D947F79D3}" type="datetimeFigureOut">
               <a:rPr lang="en-US" smtClean="0"/>
-              <a:t>3/5/2024</a:t>
+              <a:t>3/7/2024</a:t>
             </a:fld>
             <a:endParaRPr lang="en-US"/>
           </a:p>
@@ -2905,7 +2945,7 @@
           <a:p>
             <a:fld id="{9D7C6ACB-8DF6-1449-BE97-CA8D947F79D3}" type="datetimeFigureOut">
               <a:rPr lang="en-US" smtClean="0"/>
-              <a:t>3/5/2024</a:t>
+              <a:t>3/7/2024</a:t>
             </a:fld>
             <a:endParaRPr lang="en-US"/>
           </a:p>
@@ -3324,7 +3364,7 @@
           <a:p>
             <a:fld id="{9D7C6ACB-8DF6-1449-BE97-CA8D947F79D3}" type="datetimeFigureOut">
               <a:rPr lang="en-US" smtClean="0"/>
-              <a:t>3/5/2024</a:t>
+              <a:t>3/7/2024</a:t>
             </a:fld>
             <a:endParaRPr lang="en-US"/>
           </a:p>
@@ -3441,7 +3481,7 @@
           <a:p>
             <a:fld id="{9D7C6ACB-8DF6-1449-BE97-CA8D947F79D3}" type="datetimeFigureOut">
               <a:rPr lang="en-US" smtClean="0"/>
-              <a:t>3/5/2024</a:t>
+              <a:t>3/7/2024</a:t>
             </a:fld>
             <a:endParaRPr lang="en-US"/>
           </a:p>
@@ -3536,7 +3576,7 @@
           <a:p>
             <a:fld id="{9D7C6ACB-8DF6-1449-BE97-CA8D947F79D3}" type="datetimeFigureOut">
               <a:rPr lang="en-US" smtClean="0"/>
-              <a:t>3/5/2024</a:t>
+              <a:t>3/7/2024</a:t>
             </a:fld>
             <a:endParaRPr lang="en-US"/>
           </a:p>
@@ -3811,7 +3851,7 @@
           <a:p>
             <a:fld id="{9D7C6ACB-8DF6-1449-BE97-CA8D947F79D3}" type="datetimeFigureOut">
               <a:rPr lang="en-US" smtClean="0"/>
-              <a:t>3/5/2024</a:t>
+              <a:t>3/7/2024</a:t>
             </a:fld>
             <a:endParaRPr lang="en-US"/>
           </a:p>
@@ -4063,7 +4103,7 @@
           <a:p>
             <a:fld id="{9D7C6ACB-8DF6-1449-BE97-CA8D947F79D3}" type="datetimeFigureOut">
               <a:rPr lang="en-US" smtClean="0"/>
-              <a:t>3/5/2024</a:t>
+              <a:t>3/7/2024</a:t>
             </a:fld>
             <a:endParaRPr lang="en-US"/>
           </a:p>
@@ -4277,7 +4317,7 @@
           <a:p>
             <a:fld id="{9D7C6ACB-8DF6-1449-BE97-CA8D947F79D3}" type="datetimeFigureOut">
               <a:rPr lang="en-US" smtClean="0"/>
-              <a:t>3/5/2024</a:t>
+              <a:t>3/7/2024</a:t>
             </a:fld>
             <a:endParaRPr lang="en-US"/>
           </a:p>
@@ -5188,7 +5228,7 @@
             </a:r>
             <a:r>
               <a:rPr lang="en-US" sz="2400" dirty="0"/>
-              <a:t> of the two images, please judge how </a:t>
+              <a:t> of the two images, please judge how similar the depicted rooms are. Focus </a:t>
             </a:r>
             <a:r>
               <a:rPr lang="en-US" sz="2400" dirty="0">
@@ -5199,7 +5239,7 @@
                   </a:schemeClr>
                 </a:solidFill>
               </a:rPr>
-              <a:t>similar the rooms are that the drawers indented to depict. Focus on the drawn </a:t>
+              <a:t>on the drawn </a:t>
             </a:r>
             <a:r>
               <a:rPr lang="en-US" sz="2400" b="0" i="0" dirty="0">
@@ -5297,10 +5337,10 @@
       </p:sp>
       <p:pic>
         <p:nvPicPr>
-          <p:cNvPr id="7" name="Picture 6">
+          <p:cNvPr id="6" name="Picture 5">
             <a:extLst>
               <a:ext uri="{FF2B5EF4-FFF2-40B4-BE49-F238E27FC236}">
-                <a16:creationId xmlns:a16="http://schemas.microsoft.com/office/drawing/2014/main" id="{69DD1683-8374-635F-4D8B-0CC27648E51E}"/>
+                <a16:creationId xmlns:a16="http://schemas.microsoft.com/office/drawing/2014/main" id="{4248EA25-CB97-2D54-DC75-E2359EFEE2AD}"/>
               </a:ext>
             </a:extLst>
           </p:cNvPr>
@@ -5311,13 +5351,13 @@
         </p:nvPicPr>
         <p:blipFill rotWithShape="1">
           <a:blip r:embed="rId2"/>
-          <a:srcRect t="48155" b="29822"/>
+          <a:srcRect t="15859" b="45634"/>
           <a:stretch/>
         </p:blipFill>
         <p:spPr>
           <a:xfrm>
-            <a:off x="1866360" y="3732964"/>
-            <a:ext cx="8459275" cy="1580187"/>
+            <a:off x="2481742" y="3747684"/>
+            <a:ext cx="7228512" cy="1491066"/>
           </a:xfrm>
           <a:prstGeom prst="rect">
             <a:avLst/>
@@ -5480,10 +5520,10 @@
       </p:sp>
       <p:pic>
         <p:nvPicPr>
-          <p:cNvPr id="7" name="Picture 6">
+          <p:cNvPr id="5" name="Picture 4">
             <a:extLst>
               <a:ext uri="{FF2B5EF4-FFF2-40B4-BE49-F238E27FC236}">
-                <a16:creationId xmlns:a16="http://schemas.microsoft.com/office/drawing/2014/main" id="{03EACF66-F9F8-5A44-8F00-DA42802080D9}"/>
+                <a16:creationId xmlns:a16="http://schemas.microsoft.com/office/drawing/2014/main" id="{54E1D6A6-3DAC-E088-C1CB-AB8B1235B9CD}"/>
               </a:ext>
             </a:extLst>
           </p:cNvPr>
@@ -5494,13 +5534,13 @@
         </p:nvPicPr>
         <p:blipFill rotWithShape="1">
           <a:blip r:embed="rId2"/>
-          <a:srcRect t="70493" b="5291"/>
+          <a:srcRect t="53938" b="6799"/>
           <a:stretch/>
         </p:blipFill>
         <p:spPr>
           <a:xfrm>
-            <a:off x="2249242" y="3553289"/>
-            <a:ext cx="7693512" cy="1769415"/>
+            <a:off x="2481742" y="3773084"/>
+            <a:ext cx="7228512" cy="1520324"/>
           </a:xfrm>
           <a:prstGeom prst="rect">
             <a:avLst/>
